--- a/restful-api-presentations/phillips-presentation-week-7.pptx
+++ b/restful-api-presentations/phillips-presentation-week-7.pptx
@@ -3294,18 +3294,11 @@
           <a:lstStyle/>
           <a:p>
             <a:r>
-              <a:rPr lang="en-US" dirty="0">
-                <a:latin typeface="Segoe UI Light" panose="020B0502040204020203" pitchFamily="34" charset="0"/>
-                <a:cs typeface="Segoe UI Light" panose="020B0502040204020203" pitchFamily="34" charset="0"/>
-              </a:rPr>
-              <a:t>What is </a:t>
-            </a:r>
-            <a:r>
               <a:rPr lang="en-US" dirty="0" smtClean="0">
                 <a:latin typeface="Segoe UI Light" panose="020B0502040204020203" pitchFamily="34" charset="0"/>
                 <a:cs typeface="Segoe UI Light" panose="020B0502040204020203" pitchFamily="34" charset="0"/>
               </a:rPr>
-              <a:t>Hypermedia Design?</a:t>
+              <a:t>SOA &amp; ESB</a:t>
             </a:r>
             <a:endParaRPr lang="en-US" dirty="0">
               <a:latin typeface="Segoe UI Light" panose="020B0502040204020203" pitchFamily="34" charset="0"/>
@@ -3703,13 +3696,13 @@
           <a:lstStyle/>
           <a:p>
             <a:r>
-              <a:rPr lang="en-US" dirty="0" smtClean="0"/>
-              <a:t>Hypermedia Design </a:t>
-            </a:r>
-            <a:r>
-              <a:rPr lang="en-US" dirty="0"/>
-              <a:t>Cont’d</a:t>
-            </a:r>
+              <a:rPr lang="en-US" dirty="0">
+                <a:latin typeface="Segoe UI Light" panose="020B0502040204020203" pitchFamily="34" charset="0"/>
+                <a:cs typeface="Segoe UI Light" panose="020B0502040204020203" pitchFamily="34" charset="0"/>
+              </a:rPr>
+              <a:t>SOA &amp; ESB</a:t>
+            </a:r>
+            <a:endParaRPr lang="en-US" dirty="0"/>
           </a:p>
         </p:txBody>
       </p:sp>
@@ -4124,13 +4117,13 @@
           <a:lstStyle/>
           <a:p>
             <a:r>
-              <a:rPr lang="en-US" dirty="0" smtClean="0"/>
-              <a:t>Hypermedia Design </a:t>
-            </a:r>
-            <a:r>
-              <a:rPr lang="en-US" dirty="0"/>
-              <a:t>Cont’d</a:t>
-            </a:r>
+              <a:rPr lang="en-US" dirty="0">
+                <a:latin typeface="Segoe UI Light" panose="020B0502040204020203" pitchFamily="34" charset="0"/>
+                <a:cs typeface="Segoe UI Light" panose="020B0502040204020203" pitchFamily="34" charset="0"/>
+              </a:rPr>
+              <a:t>SOA &amp; ESB</a:t>
+            </a:r>
+            <a:endParaRPr lang="en-US" dirty="0"/>
           </a:p>
         </p:txBody>
       </p:sp>
@@ -4358,7 +4351,6 @@
               <a:rPr lang="en-US" b="1" dirty="0"/>
               <a:t>Relationship between an ESB and SOA architecture</a:t>
             </a:r>
-            <a:endParaRPr lang="en-US" b="1" dirty="0"/>
           </a:p>
           <a:p>
             <a:pPr lvl="1">
@@ -4596,9 +4588,13 @@
           <a:lstStyle/>
           <a:p>
             <a:r>
-              <a:rPr lang="en-US" dirty="0"/>
-              <a:t>Hypermedia Design Cont’d</a:t>
-            </a:r>
+              <a:rPr lang="en-US" dirty="0">
+                <a:latin typeface="Segoe UI Light" panose="020B0502040204020203" pitchFamily="34" charset="0"/>
+                <a:cs typeface="Segoe UI Light" panose="020B0502040204020203" pitchFamily="34" charset="0"/>
+              </a:rPr>
+              <a:t>SOA &amp; ESB</a:t>
+            </a:r>
+            <a:endParaRPr lang="en-US" dirty="0"/>
           </a:p>
         </p:txBody>
       </p:sp>
@@ -5056,17 +5052,12 @@
               <a:rPr lang="en-US" b="1" dirty="0"/>
               <a:t>How data is transmitted through a SOA environment</a:t>
             </a:r>
-            <a:endParaRPr lang="en-US" b="1" dirty="0"/>
           </a:p>
           <a:p>
             <a:pPr lvl="1"/>
             <a:r>
               <a:rPr lang="en-US" dirty="0" smtClean="0"/>
-              <a:t>Servic</a:t>
-            </a:r>
-            <a:r>
-              <a:rPr lang="en-US" dirty="0" smtClean="0"/>
-              <a:t>e-oriented architecture can be implemented with web services</a:t>
+              <a:t>Service-oriented architecture can be implemented with web services</a:t>
             </a:r>
           </a:p>
           <a:p>
@@ -5189,9 +5180,13 @@
           <a:lstStyle/>
           <a:p>
             <a:r>
-              <a:rPr lang="en-US" dirty="0"/>
-              <a:t>Hypermedia Design Cont’d</a:t>
-            </a:r>
+              <a:rPr lang="en-US" dirty="0">
+                <a:latin typeface="Segoe UI Light" panose="020B0502040204020203" pitchFamily="34" charset="0"/>
+                <a:cs typeface="Segoe UI Light" panose="020B0502040204020203" pitchFamily="34" charset="0"/>
+              </a:rPr>
+              <a:t>SOA &amp; ESB</a:t>
+            </a:r>
+            <a:endParaRPr lang="en-US" dirty="0"/>
           </a:p>
         </p:txBody>
       </p:sp>
@@ -5572,9 +5567,13 @@
           <a:lstStyle/>
           <a:p>
             <a:r>
-              <a:rPr lang="en-US" dirty="0"/>
-              <a:t>Hypermedia Design Cont’d</a:t>
-            </a:r>
+              <a:rPr lang="en-US" dirty="0">
+                <a:latin typeface="Segoe UI Light" panose="020B0502040204020203" pitchFamily="34" charset="0"/>
+                <a:cs typeface="Segoe UI Light" panose="020B0502040204020203" pitchFamily="34" charset="0"/>
+              </a:rPr>
+              <a:t>SOA &amp; ESB</a:t>
+            </a:r>
+            <a:endParaRPr lang="en-US" dirty="0"/>
           </a:p>
         </p:txBody>
       </p:sp>
@@ -6081,10 +6080,6 @@
             <a:r>
               <a:rPr lang="en-US" dirty="0" smtClean="0"/>
               <a:t>High investment cost – requires large up front cost</a:t>
-            </a:r>
-            <a:r>
-              <a:rPr lang="en-US" dirty="0" smtClean="0"/>
-              <a:t/>
             </a:r>
             <a:br>
               <a:rPr lang="en-US" dirty="0" smtClean="0"/>
@@ -6160,9 +6155,13 @@
           <a:lstStyle/>
           <a:p>
             <a:r>
-              <a:rPr lang="en-US" dirty="0"/>
-              <a:t>Hypermedia Design Cont’d</a:t>
-            </a:r>
+              <a:rPr lang="en-US" dirty="0">
+                <a:latin typeface="Segoe UI Light" panose="020B0502040204020203" pitchFamily="34" charset="0"/>
+                <a:cs typeface="Segoe UI Light" panose="020B0502040204020203" pitchFamily="34" charset="0"/>
+              </a:rPr>
+              <a:t>SOA &amp; ESB</a:t>
+            </a:r>
+            <a:endParaRPr lang="en-US" dirty="0"/>
           </a:p>
         </p:txBody>
       </p:sp>
@@ -6548,9 +6547,13 @@
           <a:lstStyle/>
           <a:p>
             <a:r>
-              <a:rPr lang="en-US" dirty="0"/>
-              <a:t>Hypermedia Design Cont’d</a:t>
-            </a:r>
+              <a:rPr lang="en-US" dirty="0">
+                <a:latin typeface="Segoe UI Light" panose="020B0502040204020203" pitchFamily="34" charset="0"/>
+                <a:cs typeface="Segoe UI Light" panose="020B0502040204020203" pitchFamily="34" charset="0"/>
+              </a:rPr>
+              <a:t>SOA &amp; ESB</a:t>
+            </a:r>
+            <a:endParaRPr lang="en-US" dirty="0"/>
           </a:p>
         </p:txBody>
       </p:sp>
@@ -7678,6 +7681,24 @@
 </file>
 
 <file path=customXml/item1.xml><?xml version="1.0" encoding="utf-8"?>
+<?mso-contentType ?>
+<FormTemplates xmlns="http://schemas.microsoft.com/sharepoint/v3/contenttype/forms">
+  <Display>DocumentLibraryForm</Display>
+  <Edit>DocumentLibraryForm</Edit>
+  <New>DocumentLibraryForm</New>
+</FormTemplates>
+</file>
+
+<file path=customXml/item2.xml><?xml version="1.0" encoding="utf-8"?>
+<p:properties xmlns:p="http://schemas.microsoft.com/office/2006/metadata/properties" xmlns:xsi="http://www.w3.org/2001/XMLSchema-instance" xmlns:pc="http://schemas.microsoft.com/office/infopath/2007/PartnerControls">
+  <documentManagement>
+    <Status xmlns="71af3243-3dd4-4a8d-8c0d-dd76da1f02a5">Not started</Status>
+    <MediaServiceKeyPoints xmlns="71af3243-3dd4-4a8d-8c0d-dd76da1f02a5" xsi:nil="true"/>
+  </documentManagement>
+</p:properties>
+</file>
+
+<file path=customXml/item3.xml><?xml version="1.0" encoding="utf-8"?>
 <ct:contentTypeSchema xmlns:ct="http://schemas.microsoft.com/office/2006/metadata/contentType" xmlns:ma="http://schemas.microsoft.com/office/2006/metadata/properties/metaAttributes" ct:_="" ma:_="" ma:contentTypeName="Document" ma:contentTypeID="0x01010079F111ED35F8CC479449609E8A0923A6" ma:contentTypeVersion="12" ma:contentTypeDescription="Create a new document." ma:contentTypeScope="" ma:versionID="a8a52e8c320b9a064ae3583ae3861c92">
   <xsd:schema xmlns:xsd="http://www.w3.org/2001/XMLSchema" xmlns:xs="http://www.w3.org/2001/XMLSchema" xmlns:p="http://schemas.microsoft.com/office/2006/metadata/properties" xmlns:ns2="71af3243-3dd4-4a8d-8c0d-dd76da1f02a5" xmlns:ns3="16c05727-aa75-4e4a-9b5f-8a80a1165891" targetNamespace="http://schemas.microsoft.com/office/2006/metadata/properties" ma:root="true" ma:fieldsID="88020cb39231a0945110f9cd888b521a" ns2:_="" ns3:_="">
     <xsd:import namespace="71af3243-3dd4-4a8d-8c0d-dd76da1f02a5"/>
@@ -7898,25 +7919,32 @@
 </ct:contentTypeSchema>
 </file>
 
-<file path=customXml/item2.xml><?xml version="1.0" encoding="utf-8"?>
-<p:properties xmlns:p="http://schemas.microsoft.com/office/2006/metadata/properties" xmlns:xsi="http://www.w3.org/2001/XMLSchema-instance" xmlns:pc="http://schemas.microsoft.com/office/infopath/2007/PartnerControls">
-  <documentManagement>
-    <Status xmlns="71af3243-3dd4-4a8d-8c0d-dd76da1f02a5">Not started</Status>
-    <MediaServiceKeyPoints xmlns="71af3243-3dd4-4a8d-8c0d-dd76da1f02a5" xsi:nil="true"/>
-  </documentManagement>
-</p:properties>
+<file path=customXml/itemProps1.xml><?xml version="1.0" encoding="utf-8"?>
+<ds:datastoreItem xmlns:ds="http://schemas.openxmlformats.org/officeDocument/2006/customXml" ds:itemID="{7EE8C63A-4744-4DE4-BB49-0FF0B5375C60}">
+  <ds:schemaRefs>
+    <ds:schemaRef ds:uri="http://schemas.microsoft.com/sharepoint/v3/contenttype/forms"/>
+  </ds:schemaRefs>
+</ds:datastoreItem>
 </file>
 
-<file path=customXml/item3.xml><?xml version="1.0" encoding="utf-8"?>
-<?mso-contentType ?>
-<FormTemplates xmlns="http://schemas.microsoft.com/sharepoint/v3/contenttype/forms">
-  <Display>DocumentLibraryForm</Display>
-  <Edit>DocumentLibraryForm</Edit>
-  <New>DocumentLibraryForm</New>
-</FormTemplates>
+<file path=customXml/itemProps2.xml><?xml version="1.0" encoding="utf-8"?>
+<ds:datastoreItem xmlns:ds="http://schemas.openxmlformats.org/officeDocument/2006/customXml" ds:itemID="{950072C5-DDE0-4258-BA7A-4D4B80DFA632}">
+  <ds:schemaRefs>
+    <ds:schemaRef ds:uri="16c05727-aa75-4e4a-9b5f-8a80a1165891"/>
+    <ds:schemaRef ds:uri="http://purl.org/dc/dcmitype/"/>
+    <ds:schemaRef ds:uri="http://schemas.microsoft.com/office/2006/documentManagement/types"/>
+    <ds:schemaRef ds:uri="http://purl.org/dc/elements/1.1/"/>
+    <ds:schemaRef ds:uri="http://schemas.microsoft.com/office/infopath/2007/PartnerControls"/>
+    <ds:schemaRef ds:uri="http://purl.org/dc/terms/"/>
+    <ds:schemaRef ds:uri="http://schemas.openxmlformats.org/package/2006/metadata/core-properties"/>
+    <ds:schemaRef ds:uri="71af3243-3dd4-4a8d-8c0d-dd76da1f02a5"/>
+    <ds:schemaRef ds:uri="http://schemas.microsoft.com/office/2006/metadata/properties"/>
+    <ds:schemaRef ds:uri="http://www.w3.org/XML/1998/namespace"/>
+  </ds:schemaRefs>
+</ds:datastoreItem>
 </file>
 
-<file path=customXml/itemProps1.xml><?xml version="1.0" encoding="utf-8"?>
+<file path=customXml/itemProps3.xml><?xml version="1.0" encoding="utf-8"?>
 <ds:datastoreItem xmlns:ds="http://schemas.openxmlformats.org/officeDocument/2006/customXml" ds:itemID="{FD7FC771-7DFE-49DA-B577-71181BFBCB2E}">
   <ds:schemaRefs>
     <ds:schemaRef ds:uri="http://schemas.microsoft.com/office/2006/metadata/contentType"/>
@@ -7933,29 +7961,4 @@
     <ds:schemaRef ds:uri="http://schemas.microsoft.com/internal/obd"/>
   </ds:schemaRefs>
 </ds:datastoreItem>
-</file>
-
-<file path=customXml/itemProps2.xml><?xml version="1.0" encoding="utf-8"?>
-<ds:datastoreItem xmlns:ds="http://schemas.openxmlformats.org/officeDocument/2006/customXml" ds:itemID="{950072C5-DDE0-4258-BA7A-4D4B80DFA632}">
-  <ds:schemaRefs>
-    <ds:schemaRef ds:uri="http://purl.org/dc/terms/"/>
-    <ds:schemaRef ds:uri="http://schemas.openxmlformats.org/package/2006/metadata/core-properties"/>
-    <ds:schemaRef ds:uri="16c05727-aa75-4e4a-9b5f-8a80a1165891"/>
-    <ds:schemaRef ds:uri="http://schemas.microsoft.com/office/2006/documentManagement/types"/>
-    <ds:schemaRef ds:uri="http://schemas.microsoft.com/office/infopath/2007/PartnerControls"/>
-    <ds:schemaRef ds:uri="http://purl.org/dc/elements/1.1/"/>
-    <ds:schemaRef ds:uri="http://schemas.microsoft.com/office/2006/metadata/properties"/>
-    <ds:schemaRef ds:uri="71af3243-3dd4-4a8d-8c0d-dd76da1f02a5"/>
-    <ds:schemaRef ds:uri="http://www.w3.org/XML/1998/namespace"/>
-    <ds:schemaRef ds:uri="http://purl.org/dc/dcmitype/"/>
-  </ds:schemaRefs>
-</ds:datastoreItem>
-</file>
-
-<file path=customXml/itemProps3.xml><?xml version="1.0" encoding="utf-8"?>
-<ds:datastoreItem xmlns:ds="http://schemas.openxmlformats.org/officeDocument/2006/customXml" ds:itemID="{7EE8C63A-4744-4DE4-BB49-0FF0B5375C60}">
-  <ds:schemaRefs>
-    <ds:schemaRef ds:uri="http://schemas.microsoft.com/sharepoint/v3/contenttype/forms"/>
-  </ds:schemaRefs>
-</ds:datastoreItem>
 </file>